--- a/爸媽愛我.pptx
+++ b/爸媽愛我.pptx
@@ -8,7 +8,7 @@
     <p:sldId id="256" r:id="rId2"/>
     <p:sldId id="257" r:id="rId3"/>
   </p:sldIdLst>
-  <p:sldSz cx="9144000" cy="6858000" type="screen4x3"/>
+  <p:sldSz cx="12192000" cy="6858000"/>
   <p:notesSz cx="6858000" cy="9144000"/>
   <p:defaultTextStyle>
     <a:defPPr>
@@ -105,6 +105,22 @@
       </a:defRPr>
     </a:lvl9pPr>
   </p:defaultTextStyle>
+  <p:extLst>
+    <p:ext uri="{EFAFB233-063F-42B5-8137-9DF3F51BA10A}">
+      <p15:sldGuideLst xmlns:p15="http://schemas.microsoft.com/office/powerpoint/2012/main">
+        <p15:guide id="1" orient="horz" pos="2160" userDrawn="1">
+          <p15:clr>
+            <a:srgbClr val="A4A3A4"/>
+          </p15:clr>
+        </p15:guide>
+        <p15:guide id="2" pos="3840" userDrawn="1">
+          <p15:clr>
+            <a:srgbClr val="A4A3A4"/>
+          </p15:clr>
+        </p15:guide>
+      </p15:sldGuideLst>
+    </p:ext>
+  </p:extLst>
 </p:presentation>
 </file>
 
@@ -137,8 +153,8 @@
         </p:nvSpPr>
         <p:spPr>
           <a:xfrm>
-            <a:off x="685800" y="2130425"/>
-            <a:ext cx="7772400" cy="1470025"/>
+            <a:off x="914400" y="2130426"/>
+            <a:ext cx="10363200" cy="1470025"/>
           </a:xfrm>
         </p:spPr>
         <p:txBody>
@@ -165,8 +181,8 @@
         </p:nvSpPr>
         <p:spPr>
           <a:xfrm>
-            <a:off x="1371600" y="3886200"/>
-            <a:ext cx="6400800" cy="1752600"/>
+            <a:off x="1828800" y="3886200"/>
+            <a:ext cx="8534400" cy="1752600"/>
           </a:xfrm>
         </p:spPr>
         <p:txBody>
@@ -289,7 +305,7 @@
           <a:p>
             <a:fld id="{775988C0-C1CC-496D-808E-FC98785E4941}" type="datetimeFigureOut">
               <a:rPr lang="zh-TW" altLang="en-US" smtClean="0"/>
-              <a:t>2017/10/27</a:t>
+              <a:t>2020/1/3</a:t>
             </a:fld>
             <a:endParaRPr lang="zh-TW" altLang="en-US"/>
           </a:p>
@@ -454,7 +470,7 @@
           <a:p>
             <a:fld id="{775988C0-C1CC-496D-808E-FC98785E4941}" type="datetimeFigureOut">
               <a:rPr lang="zh-TW" altLang="en-US" smtClean="0"/>
-              <a:t>2017/10/27</a:t>
+              <a:t>2020/1/3</a:t>
             </a:fld>
             <a:endParaRPr lang="zh-TW" altLang="en-US"/>
           </a:p>
@@ -539,8 +555,8 @@
         </p:nvSpPr>
         <p:spPr>
           <a:xfrm>
-            <a:off x="6629400" y="274638"/>
-            <a:ext cx="2057400" cy="5851525"/>
+            <a:off x="8839200" y="274639"/>
+            <a:ext cx="2743200" cy="5851525"/>
           </a:xfrm>
         </p:spPr>
         <p:txBody>
@@ -567,8 +583,8 @@
         </p:nvSpPr>
         <p:spPr>
           <a:xfrm>
-            <a:off x="457200" y="274638"/>
-            <a:ext cx="6019800" cy="5851525"/>
+            <a:off x="609600" y="274639"/>
+            <a:ext cx="8026400" cy="5851525"/>
           </a:xfrm>
         </p:spPr>
         <p:txBody>
@@ -629,7 +645,7 @@
           <a:p>
             <a:fld id="{775988C0-C1CC-496D-808E-FC98785E4941}" type="datetimeFigureOut">
               <a:rPr lang="zh-TW" altLang="en-US" smtClean="0"/>
-              <a:t>2017/10/27</a:t>
+              <a:t>2020/1/3</a:t>
             </a:fld>
             <a:endParaRPr lang="zh-TW" altLang="en-US"/>
           </a:p>
@@ -794,7 +810,7 @@
           <a:p>
             <a:fld id="{775988C0-C1CC-496D-808E-FC98785E4941}" type="datetimeFigureOut">
               <a:rPr lang="zh-TW" altLang="en-US" smtClean="0"/>
-              <a:t>2017/10/27</a:t>
+              <a:t>2020/1/3</a:t>
             </a:fld>
             <a:endParaRPr lang="zh-TW" altLang="en-US"/>
           </a:p>
@@ -879,8 +895,8 @@
         </p:nvSpPr>
         <p:spPr>
           <a:xfrm>
-            <a:off x="722313" y="4406900"/>
-            <a:ext cx="7772400" cy="1362075"/>
+            <a:off x="963084" y="4406901"/>
+            <a:ext cx="10363200" cy="1362075"/>
           </a:xfrm>
         </p:spPr>
         <p:txBody>
@@ -911,8 +927,8 @@
         </p:nvSpPr>
         <p:spPr>
           <a:xfrm>
-            <a:off x="722313" y="2906713"/>
-            <a:ext cx="7772400" cy="1500187"/>
+            <a:off x="963084" y="2906713"/>
+            <a:ext cx="10363200" cy="1500187"/>
           </a:xfrm>
         </p:spPr>
         <p:txBody>
@@ -1035,7 +1051,7 @@
           <a:p>
             <a:fld id="{775988C0-C1CC-496D-808E-FC98785E4941}" type="datetimeFigureOut">
               <a:rPr lang="zh-TW" altLang="en-US" smtClean="0"/>
-              <a:t>2017/10/27</a:t>
+              <a:t>2020/1/3</a:t>
             </a:fld>
             <a:endParaRPr lang="zh-TW" altLang="en-US"/>
           </a:p>
@@ -1143,8 +1159,8 @@
         </p:nvSpPr>
         <p:spPr>
           <a:xfrm>
-            <a:off x="457200" y="1600200"/>
-            <a:ext cx="4038600" cy="4525963"/>
+            <a:off x="609600" y="1600201"/>
+            <a:ext cx="5384800" cy="4525963"/>
           </a:xfrm>
         </p:spPr>
         <p:txBody>
@@ -1228,8 +1244,8 @@
         </p:nvSpPr>
         <p:spPr>
           <a:xfrm>
-            <a:off x="4648200" y="1600200"/>
-            <a:ext cx="4038600" cy="4525963"/>
+            <a:off x="6197600" y="1600201"/>
+            <a:ext cx="5384800" cy="4525963"/>
           </a:xfrm>
         </p:spPr>
         <p:txBody>
@@ -1318,7 +1334,7 @@
           <a:p>
             <a:fld id="{775988C0-C1CC-496D-808E-FC98785E4941}" type="datetimeFigureOut">
               <a:rPr lang="zh-TW" altLang="en-US" smtClean="0"/>
-              <a:t>2017/10/27</a:t>
+              <a:t>2020/1/3</a:t>
             </a:fld>
             <a:endParaRPr lang="zh-TW" altLang="en-US"/>
           </a:p>
@@ -1430,8 +1446,8 @@
         </p:nvSpPr>
         <p:spPr>
           <a:xfrm>
-            <a:off x="457200" y="1535113"/>
-            <a:ext cx="4040188" cy="639762"/>
+            <a:off x="609600" y="1535113"/>
+            <a:ext cx="5386917" cy="639762"/>
           </a:xfrm>
         </p:spPr>
         <p:txBody>
@@ -1495,8 +1511,8 @@
         </p:nvSpPr>
         <p:spPr>
           <a:xfrm>
-            <a:off x="457200" y="2174875"/>
-            <a:ext cx="4040188" cy="3951288"/>
+            <a:off x="609600" y="2174875"/>
+            <a:ext cx="5386917" cy="3951288"/>
           </a:xfrm>
         </p:spPr>
         <p:txBody>
@@ -1580,8 +1596,8 @@
         </p:nvSpPr>
         <p:spPr>
           <a:xfrm>
-            <a:off x="4645025" y="1535113"/>
-            <a:ext cx="4041775" cy="639762"/>
+            <a:off x="6193368" y="1535113"/>
+            <a:ext cx="5389033" cy="639762"/>
           </a:xfrm>
         </p:spPr>
         <p:txBody>
@@ -1645,8 +1661,8 @@
         </p:nvSpPr>
         <p:spPr>
           <a:xfrm>
-            <a:off x="4645025" y="2174875"/>
-            <a:ext cx="4041775" cy="3951288"/>
+            <a:off x="6193368" y="2174875"/>
+            <a:ext cx="5389033" cy="3951288"/>
           </a:xfrm>
         </p:spPr>
         <p:txBody>
@@ -1735,7 +1751,7 @@
           <a:p>
             <a:fld id="{775988C0-C1CC-496D-808E-FC98785E4941}" type="datetimeFigureOut">
               <a:rPr lang="zh-TW" altLang="en-US" smtClean="0"/>
-              <a:t>2017/10/27</a:t>
+              <a:t>2020/1/3</a:t>
             </a:fld>
             <a:endParaRPr lang="zh-TW" altLang="en-US"/>
           </a:p>
@@ -1848,7 +1864,7 @@
           <a:p>
             <a:fld id="{775988C0-C1CC-496D-808E-FC98785E4941}" type="datetimeFigureOut">
               <a:rPr lang="zh-TW" altLang="en-US" smtClean="0"/>
-              <a:t>2017/10/27</a:t>
+              <a:t>2020/1/3</a:t>
             </a:fld>
             <a:endParaRPr lang="zh-TW" altLang="en-US"/>
           </a:p>
@@ -1938,7 +1954,7 @@
           <a:p>
             <a:fld id="{775988C0-C1CC-496D-808E-FC98785E4941}" type="datetimeFigureOut">
               <a:rPr lang="zh-TW" altLang="en-US" smtClean="0"/>
-              <a:t>2017/10/27</a:t>
+              <a:t>2020/1/3</a:t>
             </a:fld>
             <a:endParaRPr lang="zh-TW" altLang="en-US"/>
           </a:p>
@@ -2023,8 +2039,8 @@
         </p:nvSpPr>
         <p:spPr>
           <a:xfrm>
-            <a:off x="457200" y="273050"/>
-            <a:ext cx="3008313" cy="1162050"/>
+            <a:off x="609601" y="273050"/>
+            <a:ext cx="4011084" cy="1162050"/>
           </a:xfrm>
         </p:spPr>
         <p:txBody>
@@ -2055,8 +2071,8 @@
         </p:nvSpPr>
         <p:spPr>
           <a:xfrm>
-            <a:off x="3575050" y="273050"/>
-            <a:ext cx="5111750" cy="5853113"/>
+            <a:off x="4766733" y="273051"/>
+            <a:ext cx="6815667" cy="5853113"/>
           </a:xfrm>
         </p:spPr>
         <p:txBody>
@@ -2140,8 +2156,8 @@
         </p:nvSpPr>
         <p:spPr>
           <a:xfrm>
-            <a:off x="457200" y="1435100"/>
-            <a:ext cx="3008313" cy="4691063"/>
+            <a:off x="609601" y="1435101"/>
+            <a:ext cx="4011084" cy="4691063"/>
           </a:xfrm>
         </p:spPr>
         <p:txBody>
@@ -2210,7 +2226,7 @@
           <a:p>
             <a:fld id="{775988C0-C1CC-496D-808E-FC98785E4941}" type="datetimeFigureOut">
               <a:rPr lang="zh-TW" altLang="en-US" smtClean="0"/>
-              <a:t>2017/10/27</a:t>
+              <a:t>2020/1/3</a:t>
             </a:fld>
             <a:endParaRPr lang="zh-TW" altLang="en-US"/>
           </a:p>
@@ -2295,8 +2311,8 @@
         </p:nvSpPr>
         <p:spPr>
           <a:xfrm>
-            <a:off x="1792288" y="4800600"/>
-            <a:ext cx="5486400" cy="566738"/>
+            <a:off x="2389717" y="4800600"/>
+            <a:ext cx="7315200" cy="566738"/>
           </a:xfrm>
         </p:spPr>
         <p:txBody>
@@ -2327,8 +2343,8 @@
         </p:nvSpPr>
         <p:spPr>
           <a:xfrm>
-            <a:off x="1792288" y="612775"/>
-            <a:ext cx="5486400" cy="4114800"/>
+            <a:off x="2389717" y="612775"/>
+            <a:ext cx="7315200" cy="4114800"/>
           </a:xfrm>
         </p:spPr>
         <p:txBody>
@@ -2392,8 +2408,8 @@
         </p:nvSpPr>
         <p:spPr>
           <a:xfrm>
-            <a:off x="1792288" y="5367338"/>
-            <a:ext cx="5486400" cy="804862"/>
+            <a:off x="2389717" y="5367338"/>
+            <a:ext cx="7315200" cy="804862"/>
           </a:xfrm>
         </p:spPr>
         <p:txBody>
@@ -2462,7 +2478,7 @@
           <a:p>
             <a:fld id="{775988C0-C1CC-496D-808E-FC98785E4941}" type="datetimeFigureOut">
               <a:rPr lang="zh-TW" altLang="en-US" smtClean="0"/>
-              <a:t>2017/10/27</a:t>
+              <a:t>2020/1/3</a:t>
             </a:fld>
             <a:endParaRPr lang="zh-TW" altLang="en-US"/>
           </a:p>
@@ -2557,8 +2573,8 @@
         </p:nvSpPr>
         <p:spPr>
           <a:xfrm>
-            <a:off x="457200" y="274638"/>
-            <a:ext cx="8229600" cy="1143000"/>
+            <a:off x="609600" y="274638"/>
+            <a:ext cx="10972800" cy="1143000"/>
           </a:xfrm>
           <a:prstGeom prst="rect">
             <a:avLst/>
@@ -2590,8 +2606,8 @@
         </p:nvSpPr>
         <p:spPr>
           <a:xfrm>
-            <a:off x="457200" y="1600200"/>
-            <a:ext cx="8229600" cy="4525963"/>
+            <a:off x="609600" y="1600201"/>
+            <a:ext cx="10972800" cy="4525963"/>
           </a:xfrm>
           <a:prstGeom prst="rect">
             <a:avLst/>
@@ -2652,8 +2668,8 @@
         </p:nvSpPr>
         <p:spPr>
           <a:xfrm>
-            <a:off x="457200" y="6356350"/>
-            <a:ext cx="2133600" cy="365125"/>
+            <a:off x="609600" y="6356351"/>
+            <a:ext cx="2844800" cy="365125"/>
           </a:xfrm>
           <a:prstGeom prst="rect">
             <a:avLst/>
@@ -2675,7 +2691,7 @@
           <a:p>
             <a:fld id="{775988C0-C1CC-496D-808E-FC98785E4941}" type="datetimeFigureOut">
               <a:rPr lang="zh-TW" altLang="en-US" smtClean="0"/>
-              <a:t>2017/10/27</a:t>
+              <a:t>2020/1/3</a:t>
             </a:fld>
             <a:endParaRPr lang="zh-TW" altLang="en-US"/>
           </a:p>
@@ -2693,8 +2709,8 @@
         </p:nvSpPr>
         <p:spPr>
           <a:xfrm>
-            <a:off x="3124200" y="6356350"/>
-            <a:ext cx="2895600" cy="365125"/>
+            <a:off x="4165600" y="6356351"/>
+            <a:ext cx="3860800" cy="365125"/>
           </a:xfrm>
           <a:prstGeom prst="rect">
             <a:avLst/>
@@ -2730,8 +2746,8 @@
         </p:nvSpPr>
         <p:spPr>
           <a:xfrm>
-            <a:off x="6553200" y="6356350"/>
-            <a:ext cx="2133600" cy="365125"/>
+            <a:off x="8737600" y="6356351"/>
+            <a:ext cx="2844800" cy="365125"/>
           </a:xfrm>
           <a:prstGeom prst="rect">
             <a:avLst/>
@@ -3057,11 +3073,13 @@
         </p:nvSpPr>
         <p:spPr/>
         <p:txBody>
-          <a:bodyPr/>
-          <a:lstStyle/>
-          <a:p>
-            <a:r>
-              <a:rPr lang="zh-TW" altLang="en-US" b="1" dirty="0">
+          <a:bodyPr>
+            <a:normAutofit/>
+          </a:bodyPr>
+          <a:lstStyle/>
+          <a:p>
+            <a:r>
+              <a:rPr lang="zh-TW" altLang="en-US" sz="4800" b="1" dirty="0">
                 <a:solidFill>
                   <a:srgbClr val="000066"/>
                 </a:solidFill>
@@ -3104,7 +3122,7 @@
               <a:t>我愛爸媽親切</a:t>
             </a:r>
             <a:r>
-              <a:rPr lang="zh-TW" altLang="en-US" sz="5400" b="1" dirty="0" smtClean="0">
+              <a:rPr lang="zh-TW" altLang="en-US" sz="5400" b="1" dirty="0">
                 <a:solidFill>
                   <a:srgbClr val="000066"/>
                 </a:solidFill>
@@ -3113,7 +3131,7 @@
               </a:rPr>
               <a:t>友善</a:t>
             </a:r>
-            <a:endParaRPr lang="en-US" altLang="zh-TW" sz="5400" b="1" dirty="0" smtClean="0">
+            <a:endParaRPr lang="en-US" altLang="zh-TW" sz="5400" b="1" dirty="0">
               <a:solidFill>
                 <a:srgbClr val="000066"/>
               </a:solidFill>
@@ -3126,7 +3144,7 @@
               <a:buNone/>
             </a:pPr>
             <a:r>
-              <a:rPr lang="zh-TW" altLang="en-US" sz="5400" b="1" dirty="0" smtClean="0">
+              <a:rPr lang="zh-TW" altLang="en-US" sz="5400" b="1" dirty="0">
                 <a:solidFill>
                   <a:srgbClr val="000066"/>
                 </a:solidFill>
@@ -3146,7 +3164,7 @@
               <a:t>工作不</a:t>
             </a:r>
             <a:r>
-              <a:rPr lang="zh-TW" altLang="en-US" sz="5400" b="1" dirty="0" smtClean="0">
+              <a:rPr lang="zh-TW" altLang="en-US" sz="5400" b="1" dirty="0">
                 <a:solidFill>
                   <a:srgbClr val="000066"/>
                 </a:solidFill>
@@ -3168,7 +3186,7 @@
               <a:buNone/>
             </a:pPr>
             <a:r>
-              <a:rPr lang="zh-TW" altLang="en-US" sz="5400" b="1" dirty="0" smtClean="0">
+              <a:rPr lang="zh-TW" altLang="en-US" sz="5400" b="1" dirty="0">
                 <a:solidFill>
                   <a:srgbClr val="000066"/>
                 </a:solidFill>
@@ -3188,7 +3206,7 @@
               <a:t>我功課給我</a:t>
             </a:r>
             <a:r>
-              <a:rPr lang="zh-TW" altLang="en-US" sz="5400" b="1" dirty="0" smtClean="0">
+              <a:rPr lang="zh-TW" altLang="en-US" sz="5400" b="1" dirty="0">
                 <a:solidFill>
                   <a:srgbClr val="000066"/>
                 </a:solidFill>
@@ -3197,7 +3215,7 @@
               </a:rPr>
               <a:t>引導</a:t>
             </a:r>
-            <a:endParaRPr lang="en-US" altLang="zh-TW" sz="5400" b="1" dirty="0" smtClean="0">
+            <a:endParaRPr lang="en-US" altLang="zh-TW" sz="5400" b="1" dirty="0">
               <a:solidFill>
                 <a:srgbClr val="000066"/>
               </a:solidFill>
@@ -3210,7 +3228,7 @@
               <a:buNone/>
             </a:pPr>
             <a:r>
-              <a:rPr lang="zh-TW" altLang="en-US" sz="5400" b="1" dirty="0" smtClean="0">
+              <a:rPr lang="zh-TW" altLang="en-US" sz="5400" b="1" dirty="0">
                 <a:solidFill>
                   <a:srgbClr val="000066"/>
                 </a:solidFill>
@@ -3230,7 +3248,7 @@
               <a:t>一切照料</a:t>
             </a:r>
             <a:r>
-              <a:rPr lang="zh-TW" altLang="en-US" sz="5400" b="1" dirty="0" smtClean="0">
+              <a:rPr lang="zh-TW" altLang="en-US" sz="5400" b="1" dirty="0">
                 <a:solidFill>
                   <a:srgbClr val="000066"/>
                 </a:solidFill>
@@ -3286,11 +3304,13 @@
         </p:nvSpPr>
         <p:spPr/>
         <p:txBody>
-          <a:bodyPr/>
-          <a:lstStyle/>
-          <a:p>
-            <a:r>
-              <a:rPr lang="zh-TW" altLang="en-US" b="1" dirty="0">
+          <a:bodyPr>
+            <a:normAutofit/>
+          </a:bodyPr>
+          <a:lstStyle/>
+          <a:p>
+            <a:r>
+              <a:rPr lang="zh-TW" altLang="en-US" sz="4800" b="1" dirty="0">
                 <a:solidFill>
                   <a:srgbClr val="000066"/>
                 </a:solidFill>
@@ -3323,7 +3343,7 @@
               <a:buNone/>
             </a:pPr>
             <a:r>
-              <a:rPr lang="zh-TW" altLang="en-US" sz="5400" b="1" dirty="0" smtClean="0">
+              <a:rPr lang="zh-TW" altLang="en-US" sz="5400" b="1" dirty="0">
                 <a:solidFill>
                   <a:srgbClr val="000066"/>
                 </a:solidFill>
@@ -3332,7 +3352,7 @@
               </a:rPr>
               <a:t>孝順父母努力讀書</a:t>
             </a:r>
-            <a:endParaRPr lang="en-US" altLang="zh-TW" sz="5400" b="1" dirty="0" smtClean="0">
+            <a:endParaRPr lang="en-US" altLang="zh-TW" sz="5400" b="1" dirty="0">
               <a:solidFill>
                 <a:srgbClr val="000066"/>
               </a:solidFill>
@@ -3345,7 +3365,7 @@
               <a:buNone/>
             </a:pPr>
             <a:r>
-              <a:rPr lang="zh-TW" altLang="en-US" sz="5400" b="1" dirty="0" smtClean="0">
+              <a:rPr lang="zh-TW" altLang="en-US" sz="5400" b="1" dirty="0">
                 <a:solidFill>
                   <a:srgbClr val="000066"/>
                 </a:solidFill>
@@ -3354,7 +3374,7 @@
               </a:rPr>
               <a:t>分擔家務有趣味</a:t>
             </a:r>
-            <a:endParaRPr lang="en-US" altLang="zh-TW" sz="5400" b="1" dirty="0" smtClean="0">
+            <a:endParaRPr lang="en-US" altLang="zh-TW" sz="5400" b="1" dirty="0">
               <a:solidFill>
                 <a:srgbClr val="000066"/>
               </a:solidFill>
@@ -3367,7 +3387,7 @@
               <a:buNone/>
             </a:pPr>
             <a:r>
-              <a:rPr lang="zh-TW" altLang="en-US" sz="5400" b="1" dirty="0" smtClean="0">
+              <a:rPr lang="zh-TW" altLang="en-US" sz="5400" b="1" dirty="0">
                 <a:solidFill>
                   <a:srgbClr val="000066"/>
                 </a:solidFill>
@@ -3376,7 +3396,7 @@
               </a:rPr>
               <a:t>這個家裡充滿快樂</a:t>
             </a:r>
-            <a:endParaRPr lang="en-US" altLang="zh-TW" sz="5400" b="1" dirty="0" smtClean="0">
+            <a:endParaRPr lang="en-US" altLang="zh-TW" sz="5400" b="1" dirty="0">
               <a:solidFill>
                 <a:srgbClr val="000066"/>
               </a:solidFill>
@@ -3389,7 +3409,7 @@
               <a:buNone/>
             </a:pPr>
             <a:r>
-              <a:rPr lang="zh-TW" altLang="en-US" sz="5400" b="1" dirty="0" smtClean="0">
+              <a:rPr lang="zh-TW" altLang="en-US" sz="5400" b="1" dirty="0">
                 <a:solidFill>
                   <a:srgbClr val="000066"/>
                 </a:solidFill>
